--- a/redux/水滴模版.pptx
+++ b/redux/水滴模版.pptx
@@ -9,19 +9,20 @@
     <p:sldMasterId id="2147483667" r:id="rId6"/>
   </p:sldMasterIdLst>
   <p:notesMasterIdLst>
-    <p:notesMasterId r:id="rId17"/>
+    <p:notesMasterId r:id="rId13"/>
   </p:notesMasterIdLst>
   <p:sldIdLst>
     <p:sldId id="256" r:id="rId7"/>
     <p:sldId id="261" r:id="rId8"/>
     <p:sldId id="266" r:id="rId9"/>
-    <p:sldId id="267" r:id="rId10"/>
-    <p:sldId id="264" r:id="rId11"/>
+    <p:sldId id="264" r:id="rId10"/>
+    <p:sldId id="267" r:id="rId11"/>
     <p:sldId id="268" r:id="rId12"/>
-    <p:sldId id="269" r:id="rId13"/>
-    <p:sldId id="263" r:id="rId14"/>
-    <p:sldId id="260" r:id="rId15"/>
-    <p:sldId id="270" r:id="rId16"/>
+    <p:sldId id="269" r:id="rId14"/>
+    <p:sldId id="263" r:id="rId15"/>
+    <p:sldId id="260" r:id="rId16"/>
+    <p:sldId id="270" r:id="rId17"/>
+    <p:sldId id="274" r:id="rId18"/>
   </p:sldIdLst>
   <p:sldSz cx="9144000" cy="6858000" type="screen4x3"/>
   <p:notesSz cx="6858000" cy="9144000"/>
@@ -125,7 +126,7 @@
 
 <file path=ppt/commentAuthors.xml><?xml version="1.0" encoding="utf-8"?>
 <p:cmAuthorLst xmlns:a="http://schemas.openxmlformats.org/drawingml/2006/main" xmlns:r="http://schemas.openxmlformats.org/officeDocument/2006/relationships" xmlns:p="http://schemas.openxmlformats.org/presentationml/2006/main">
-  <p:cmAuthor id="1" name="apathyjade" initials="a" lastIdx="2" clrIdx="0"/>
+  <p:cmAuthor id="1" name="apathyjade" initials="a" lastIdx="5" clrIdx="0"/>
 </p:cmAuthorLst>
 </file>
 
@@ -151,6 +152,26 @@
     <p:text>说明点
 1、纯函数
 2、状态管理</p:text>
+  </p:cm>
+</p:cmLst>
+</file>
+
+<file path=ppt/comments/comment3.xml><?xml version="1.0" encoding="utf-8"?>
+<p:cmLst xmlns:a="http://schemas.openxmlformats.org/drawingml/2006/main" xmlns:r="http://schemas.openxmlformats.org/officeDocument/2006/relationships" xmlns:p="http://schemas.openxmlformats.org/presentationml/2006/main">
+  <p:cm authorId="1" dt="2019-06-24T15:34:41.801" idx="3">
+    <p:pos x="3597" y="1839"/>
+    <p:text>框架的作用 
+1、降低复杂度，提高可维护性
+2、</p:text>
+  </p:cm>
+  <p:cm authorId="1" dt="2019-06-24T15:59:01.212" idx="4">
+    <p:pos x="3455" y="2170"/>
+    <p:text>纯函数</p:text>
+  </p:cm>
+  <p:cm authorId="1" dt="2019-06-24T16:10:02.362" idx="5">
+    <p:pos x="3597" y="2517"/>
+    <p:text>单一数据，只读状态，使用纯函数来执行修改
+每次提供一个新的</p:text>
   </p:cm>
 </p:cmLst>
 </file>
@@ -502,6 +523,50 @@
 </p:notesMaster>
 </file>
 
+<file path=ppt/notesSlides/notesSlide1.xml><?xml version="1.0" encoding="utf-8"?>
+<p:notes xmlns:a="http://schemas.openxmlformats.org/drawingml/2006/main" xmlns:r="http://schemas.openxmlformats.org/officeDocument/2006/relationships" xmlns:p="http://schemas.openxmlformats.org/presentationml/2006/main">
+  <p:cSld>
+    <p:spTree>
+      <p:nvGrpSpPr>
+        <p:cNvPr id="1" name=""/>
+        <p:cNvGrpSpPr/>
+        <p:nvPr/>
+      </p:nvGrpSpPr>
+      <p:grpSpPr/>
+      <p:sp>
+        <p:nvSpPr>
+          <p:cNvPr id="2" name="幻灯片图像占位符 1"/>
+          <p:cNvSpPr/>
+          <p:nvPr>
+            <p:ph type="sldImg" idx="2"/>
+          </p:nvPr>
+        </p:nvSpPr>
+        <p:spPr/>
+      </p:sp>
+      <p:sp>
+        <p:nvSpPr>
+          <p:cNvPr id="3" name="文本占位符 2"/>
+          <p:cNvSpPr/>
+          <p:nvPr>
+            <p:ph type="body" idx="3"/>
+          </p:nvPr>
+        </p:nvSpPr>
+        <p:spPr/>
+        <p:txBody>
+          <a:bodyPr/>
+          <a:p>
+            <a:endParaRPr lang="zh-CN" altLang="en-US"/>
+          </a:p>
+        </p:txBody>
+      </p:sp>
+    </p:spTree>
+  </p:cSld>
+  <p:clrMapOvr>
+    <a:masterClrMapping/>
+  </p:clrMapOvr>
+</p:notes>
+</file>
+
 <file path=ppt/slideLayouts/slideLayout1.xml><?xml version="1.0" encoding="utf-8"?>
 <p:sldLayout xmlns:a="http://schemas.openxmlformats.org/drawingml/2006/main" xmlns:r="http://schemas.openxmlformats.org/officeDocument/2006/relationships" xmlns:p="http://schemas.openxmlformats.org/presentationml/2006/main" preserve="1" userDrawn="1">
   <p:cSld name="封面1">
@@ -7352,6 +7417,78 @@
       </p:sp>
       <p:pic>
         <p:nvPicPr>
+          <p:cNvPr id="5" name="内容占位符 4" descr="vuex"/>
+          <p:cNvPicPr>
+            <a:picLocks noChangeAspect="1"/>
+          </p:cNvPicPr>
+          <p:nvPr>
+            <p:ph idx="1"/>
+          </p:nvPr>
+        </p:nvPicPr>
+        <p:blipFill>
+          <a:blip r:embed="rId1"/>
+          <a:stretch>
+            <a:fillRect/>
+          </a:stretch>
+        </p:blipFill>
+        <p:spPr>
+          <a:xfrm>
+            <a:off x="2294255" y="1497330"/>
+            <a:ext cx="4566920" cy="4558665"/>
+          </a:xfrm>
+          <a:prstGeom prst="rect">
+            <a:avLst/>
+          </a:prstGeom>
+        </p:spPr>
+      </p:pic>
+    </p:spTree>
+  </p:cSld>
+  <p:clrMapOvr>
+    <a:masterClrMapping/>
+  </p:clrMapOvr>
+</p:sld>
+</file>
+
+<file path=ppt/slides/slide11.xml><?xml version="1.0" encoding="utf-8"?>
+<p:sld xmlns:a="http://schemas.openxmlformats.org/drawingml/2006/main" xmlns:r="http://schemas.openxmlformats.org/officeDocument/2006/relationships" xmlns:p="http://schemas.openxmlformats.org/presentationml/2006/main">
+  <p:cSld>
+    <p:spTree>
+      <p:nvGrpSpPr>
+        <p:cNvPr id="1" name=""/>
+        <p:cNvGrpSpPr/>
+        <p:nvPr/>
+      </p:nvGrpSpPr>
+      <p:grpSpPr>
+        <a:xfrm>
+          <a:off x="0" y="0"/>
+          <a:ext cx="0" cy="0"/>
+          <a:chOff x="0" y="0"/>
+          <a:chExt cx="0" cy="0"/>
+        </a:xfrm>
+      </p:grpSpPr>
+      <p:sp>
+        <p:nvSpPr>
+          <p:cNvPr id="3" name="标题 2"/>
+          <p:cNvSpPr>
+            <a:spLocks noGrp="1"/>
+          </p:cNvSpPr>
+          <p:nvPr>
+            <p:ph type="title"/>
+          </p:nvPr>
+        </p:nvSpPr>
+        <p:spPr/>
+        <p:txBody>
+          <a:bodyPr>
+            <a:normAutofit fontScale="90000"/>
+          </a:bodyPr>
+          <a:lstStyle/>
+          <a:p>
+            <a:endParaRPr lang="zh-CN" altLang="en-US" dirty="0"/>
+          </a:p>
+        </p:txBody>
+      </p:sp>
+      <p:pic>
+        <p:nvPicPr>
           <p:cNvPr id="4" name="内容占位符 3" descr="flux"/>
           <p:cNvPicPr>
             <a:picLocks noChangeAspect="1"/>
@@ -7478,18 +7615,30 @@
           </a:bodyPr>
           <a:p>
             <a:r>
-              <a:rPr lang="en-US" altLang="zh-CN"/>
+              <a:rPr lang="en-US" altLang="zh-CN">
+                <a:latin typeface="隶变-简" panose="02010600040101010101" charset="-122"/>
+                <a:ea typeface="隶变-简" panose="02010600040101010101" charset="-122"/>
+              </a:rPr>
               <a:t>redux</a:t>
             </a:r>
             <a:r>
-              <a:rPr lang="zh-CN" altLang="en-US"/>
+              <a:rPr lang="zh-CN" altLang="en-US">
+                <a:latin typeface="隶变-简" panose="02010600040101010101" charset="-122"/>
+                <a:ea typeface="隶变-简" panose="02010600040101010101" charset="-122"/>
+              </a:rPr>
               <a:t>是</a:t>
             </a:r>
             <a:r>
-              <a:rPr lang="zh-CN" altLang="en-US" sz="2000"/>
+              <a:rPr lang="zh-CN" altLang="en-US" sz="2000">
+                <a:latin typeface="隶变-简" panose="02010600040101010101" charset="-122"/>
+                <a:ea typeface="隶变-简" panose="02010600040101010101" charset="-122"/>
+              </a:rPr>
               <a:t>什么</a:t>
             </a:r>
-            <a:endParaRPr lang="en-US" altLang="zh-CN"/>
+            <a:endParaRPr lang="en-US" altLang="zh-CN">
+              <a:latin typeface="隶变-简" panose="02010600040101010101" charset="-122"/>
+              <a:ea typeface="隶变-简" panose="02010600040101010101" charset="-122"/>
+            </a:endParaRPr>
           </a:p>
         </p:txBody>
       </p:sp>
@@ -7515,10 +7664,16 @@
           </a:bodyPr>
           <a:p>
             <a:r>
-              <a:rPr lang="zh-CN" altLang="en-US" sz="2000"/>
+              <a:rPr lang="zh-CN" altLang="en-US" sz="2000">
+                <a:latin typeface="隶变-简" panose="02010600040101010101" charset="-122"/>
+                <a:ea typeface="隶变-简" panose="02010600040101010101" charset="-122"/>
+              </a:rPr>
               <a:t>为什么学习</a:t>
             </a:r>
-            <a:endParaRPr lang="en-US" altLang="zh-CN" sz="2000"/>
+            <a:endParaRPr lang="zh-CN" altLang="en-US" sz="2000">
+              <a:latin typeface="隶变-简" panose="02010600040101010101" charset="-122"/>
+              <a:ea typeface="隶变-简" panose="02010600040101010101" charset="-122"/>
+            </a:endParaRPr>
           </a:p>
         </p:txBody>
       </p:sp>
@@ -7544,14 +7699,23 @@
           </a:bodyPr>
           <a:p>
             <a:r>
-              <a:rPr lang="zh-CN" altLang="en-US" sz="2000"/>
+              <a:rPr lang="zh-CN" altLang="en-US" sz="2000">
+                <a:latin typeface="隶变-简" panose="02010600040101010101" charset="-122"/>
+                <a:ea typeface="隶变-简" panose="02010600040101010101" charset="-122"/>
+              </a:rPr>
               <a:t>深度了解</a:t>
             </a:r>
             <a:r>
-              <a:rPr lang="en-US" altLang="zh-CN" sz="2000"/>
+              <a:rPr lang="en-US" altLang="zh-CN" sz="2000">
+                <a:latin typeface="隶变-简" panose="02010600040101010101" charset="-122"/>
+                <a:ea typeface="隶变-简" panose="02010600040101010101" charset="-122"/>
+              </a:rPr>
               <a:t>redux</a:t>
             </a:r>
-            <a:endParaRPr lang="en-US" altLang="zh-CN" sz="2000"/>
+            <a:endParaRPr lang="en-US" altLang="zh-CN" sz="2000">
+              <a:latin typeface="隶变-简" panose="02010600040101010101" charset="-122"/>
+              <a:ea typeface="隶变-简" panose="02010600040101010101" charset="-122"/>
+            </a:endParaRPr>
           </a:p>
         </p:txBody>
       </p:sp>
@@ -7962,6 +8126,78 @@
           </a:bodyPr>
           <a:lstStyle/>
           <a:p>
+            <a:endParaRPr lang="zh-CN" altLang="en-US" dirty="0"/>
+          </a:p>
+        </p:txBody>
+      </p:sp>
+      <p:pic>
+        <p:nvPicPr>
+          <p:cNvPr id="5" name="内容占位符 4" descr="redux 结构图"/>
+          <p:cNvPicPr>
+            <a:picLocks noChangeAspect="1"/>
+          </p:cNvPicPr>
+          <p:nvPr>
+            <p:ph idx="1"/>
+          </p:nvPr>
+        </p:nvPicPr>
+        <p:blipFill>
+          <a:blip r:embed="rId1"/>
+          <a:stretch>
+            <a:fillRect/>
+          </a:stretch>
+        </p:blipFill>
+        <p:spPr>
+          <a:xfrm>
+            <a:off x="1553845" y="1497330"/>
+            <a:ext cx="6048375" cy="4558665"/>
+          </a:xfrm>
+          <a:prstGeom prst="rect">
+            <a:avLst/>
+          </a:prstGeom>
+        </p:spPr>
+      </p:pic>
+    </p:spTree>
+  </p:cSld>
+  <p:clrMapOvr>
+    <a:masterClrMapping/>
+  </p:clrMapOvr>
+</p:sld>
+</file>
+
+<file path=ppt/slides/slide5.xml><?xml version="1.0" encoding="utf-8"?>
+<p:sld xmlns:a="http://schemas.openxmlformats.org/drawingml/2006/main" xmlns:r="http://schemas.openxmlformats.org/officeDocument/2006/relationships" xmlns:p="http://schemas.openxmlformats.org/presentationml/2006/main">
+  <p:cSld>
+    <p:spTree>
+      <p:nvGrpSpPr>
+        <p:cNvPr id="1" name=""/>
+        <p:cNvGrpSpPr/>
+        <p:nvPr/>
+      </p:nvGrpSpPr>
+      <p:grpSpPr>
+        <a:xfrm>
+          <a:off x="0" y="0"/>
+          <a:ext cx="0" cy="0"/>
+          <a:chOff x="0" y="0"/>
+          <a:chExt cx="0" cy="0"/>
+        </a:xfrm>
+      </p:grpSpPr>
+      <p:sp>
+        <p:nvSpPr>
+          <p:cNvPr id="3" name="标题 2"/>
+          <p:cNvSpPr>
+            <a:spLocks noGrp="1"/>
+          </p:cNvSpPr>
+          <p:nvPr>
+            <p:ph type="title"/>
+          </p:nvPr>
+        </p:nvSpPr>
+        <p:spPr/>
+        <p:txBody>
+          <a:bodyPr>
+            <a:normAutofit fontScale="90000"/>
+          </a:bodyPr>
+          <a:lstStyle/>
+          <a:p>
             <a:r>
               <a:rPr lang="en-US" altLang="zh-CN" dirty="0"/>
               <a:t>WAY</a:t>
@@ -7978,8 +8214,8 @@
         </p:nvSpPr>
         <p:spPr>
           <a:xfrm>
-            <a:off x="-5080" y="3219450"/>
-            <a:ext cx="9154795" cy="368300"/>
+            <a:off x="1722755" y="1905635"/>
+            <a:ext cx="7426960" cy="368300"/>
           </a:xfrm>
           <a:prstGeom prst="rect">
             <a:avLst/>
@@ -7991,12 +8227,99 @@
             <a:spAutoFit/>
           </a:bodyPr>
           <a:p>
-            <a:pPr algn="ctr"/>
-            <a:r>
-              <a:rPr lang="zh-CN" altLang="en-US"/>
-              <a:t>好的设计思想，了解一下总是没错的</a:t>
-            </a:r>
+            <a:pPr algn="l"/>
+            <a:r>
+              <a:rPr lang="zh-CN" altLang="en-US" b="1"/>
+              <a:t>好的设计思想，了解一下总是没错的：</a:t>
+            </a:r>
+            <a:endParaRPr lang="zh-CN" altLang="en-US" b="1"/>
+          </a:p>
+        </p:txBody>
+      </p:sp>
+      <p:sp>
+        <p:nvSpPr>
+          <p:cNvPr id="4" name="文本框 3"/>
+          <p:cNvSpPr txBox="1"/>
+          <p:nvPr/>
+        </p:nvSpPr>
+        <p:spPr>
+          <a:xfrm>
+            <a:off x="1723390" y="2552700"/>
+            <a:ext cx="7426325" cy="1753235"/>
+          </a:xfrm>
+          <a:prstGeom prst="rect">
+            <a:avLst/>
+          </a:prstGeom>
+          <a:noFill/>
+        </p:spPr>
+        <p:txBody>
+          <a:bodyPr wrap="square" rtlCol="0">
+            <a:spAutoFit/>
+          </a:bodyPr>
+          <a:p>
             <a:endParaRPr lang="zh-CN" altLang="en-US"/>
+          </a:p>
+          <a:p>
+            <a:r>
+              <a:rPr lang="zh-CN" altLang="en-US">
+                <a:latin typeface="黑体-简" panose="02000000000000000000" charset="-122"/>
+                <a:ea typeface="黑体-简" panose="02000000000000000000" charset="-122"/>
+              </a:rPr>
+              <a:t>更好的管理状态，降低代码管理的难度</a:t>
+            </a:r>
+            <a:endParaRPr lang="zh-CN" altLang="en-US">
+              <a:latin typeface="黑体-简" panose="02000000000000000000" charset="-122"/>
+              <a:ea typeface="黑体-简" panose="02000000000000000000" charset="-122"/>
+            </a:endParaRPr>
+          </a:p>
+          <a:p>
+            <a:endParaRPr lang="zh-CN" altLang="en-US">
+              <a:latin typeface="黑体-简" panose="02000000000000000000" charset="-122"/>
+              <a:ea typeface="黑体-简" panose="02000000000000000000" charset="-122"/>
+            </a:endParaRPr>
+          </a:p>
+          <a:p>
+            <a:r>
+              <a:rPr lang="zh-CN" altLang="en-US">
+                <a:latin typeface="黑体-简" panose="02000000000000000000" charset="-122"/>
+                <a:ea typeface="黑体-简" panose="02000000000000000000" charset="-122"/>
+                <a:sym typeface="+mn-ea"/>
+              </a:rPr>
+              <a:t>增强</a:t>
+            </a:r>
+            <a:r>
+              <a:rPr lang="zh-CN" altLang="en-US">
+                <a:latin typeface="黑体-简" panose="02000000000000000000" charset="-122"/>
+                <a:ea typeface="黑体-简" panose="02000000000000000000" charset="-122"/>
+                <a:sym typeface="+mn-ea"/>
+              </a:rPr>
+              <a:t>可预测性，更容易进行单元测试</a:t>
+            </a:r>
+            <a:endParaRPr lang="zh-CN" altLang="en-US">
+              <a:latin typeface="黑体-简" panose="02000000000000000000" charset="-122"/>
+              <a:ea typeface="黑体-简" panose="02000000000000000000" charset="-122"/>
+              <a:sym typeface="+mn-ea"/>
+            </a:endParaRPr>
+          </a:p>
+          <a:p>
+            <a:endParaRPr lang="zh-CN" altLang="en-US">
+              <a:latin typeface="黑体-简" panose="02000000000000000000" charset="-122"/>
+              <a:ea typeface="黑体-简" panose="02000000000000000000" charset="-122"/>
+              <a:sym typeface="+mn-ea"/>
+            </a:endParaRPr>
+          </a:p>
+          <a:p>
+            <a:r>
+              <a:rPr lang="zh-CN" altLang="en-US">
+                <a:latin typeface="黑体-简" panose="02000000000000000000" charset="-122"/>
+                <a:ea typeface="黑体-简" panose="02000000000000000000" charset="-122"/>
+              </a:rPr>
+              <a:t>快照功能，记录每一步程序的执行状态</a:t>
+            </a:r>
+            <a:endParaRPr lang="zh-CN" altLang="en-US">
+              <a:latin typeface="黑体-简" panose="02000000000000000000" charset="-122"/>
+              <a:ea typeface="黑体-简" panose="02000000000000000000" charset="-122"/>
+            </a:endParaRPr>
           </a:p>
         </p:txBody>
       </p:sp>
@@ -8027,78 +8350,6 @@
 </p:sld>
 </file>
 
-<file path=ppt/slides/slide5.xml><?xml version="1.0" encoding="utf-8"?>
-<p:sld xmlns:a="http://schemas.openxmlformats.org/drawingml/2006/main" xmlns:r="http://schemas.openxmlformats.org/officeDocument/2006/relationships" xmlns:p="http://schemas.openxmlformats.org/presentationml/2006/main">
-  <p:cSld>
-    <p:spTree>
-      <p:nvGrpSpPr>
-        <p:cNvPr id="1" name=""/>
-        <p:cNvGrpSpPr/>
-        <p:nvPr/>
-      </p:nvGrpSpPr>
-      <p:grpSpPr>
-        <a:xfrm>
-          <a:off x="0" y="0"/>
-          <a:ext cx="0" cy="0"/>
-          <a:chOff x="0" y="0"/>
-          <a:chExt cx="0" cy="0"/>
-        </a:xfrm>
-      </p:grpSpPr>
-      <p:sp>
-        <p:nvSpPr>
-          <p:cNvPr id="3" name="标题 2"/>
-          <p:cNvSpPr>
-            <a:spLocks noGrp="1"/>
-          </p:cNvSpPr>
-          <p:nvPr>
-            <p:ph type="title"/>
-          </p:nvPr>
-        </p:nvSpPr>
-        <p:spPr/>
-        <p:txBody>
-          <a:bodyPr>
-            <a:normAutofit fontScale="90000"/>
-          </a:bodyPr>
-          <a:lstStyle/>
-          <a:p>
-            <a:endParaRPr lang="zh-CN" altLang="en-US" dirty="0"/>
-          </a:p>
-        </p:txBody>
-      </p:sp>
-      <p:pic>
-        <p:nvPicPr>
-          <p:cNvPr id="5" name="内容占位符 4" descr="redux 结构图"/>
-          <p:cNvPicPr>
-            <a:picLocks noChangeAspect="1"/>
-          </p:cNvPicPr>
-          <p:nvPr>
-            <p:ph idx="1"/>
-          </p:nvPr>
-        </p:nvPicPr>
-        <p:blipFill>
-          <a:blip r:embed="rId1"/>
-          <a:stretch>
-            <a:fillRect/>
-          </a:stretch>
-        </p:blipFill>
-        <p:spPr>
-          <a:xfrm>
-            <a:off x="1553845" y="1497330"/>
-            <a:ext cx="6048375" cy="4558665"/>
-          </a:xfrm>
-          <a:prstGeom prst="rect">
-            <a:avLst/>
-          </a:prstGeom>
-        </p:spPr>
-      </p:pic>
-    </p:spTree>
-  </p:cSld>
-  <p:clrMapOvr>
-    <a:masterClrMapping/>
-  </p:clrMapOvr>
-</p:sld>
-</file>
-
 <file path=ppt/slides/slide6.xml><?xml version="1.0" encoding="utf-8"?>
 <p:sld xmlns:a="http://schemas.openxmlformats.org/drawingml/2006/main" xmlns:r="http://schemas.openxmlformats.org/officeDocument/2006/relationships" xmlns:p="http://schemas.openxmlformats.org/presentationml/2006/main">
   <p:cSld>
@@ -8155,7 +8406,7 @@
         </p:blipFill>
         <p:spPr>
           <a:xfrm>
-            <a:off x="1464310" y="1497330"/>
+            <a:off x="1458595" y="1510030"/>
             <a:ext cx="6226810" cy="4558665"/>
           </a:xfrm>
           <a:prstGeom prst="rect">
@@ -8387,7 +8638,11 @@
           <a:bodyPr/>
           <a:lstStyle/>
           <a:p>
-            <a:endParaRPr kumimoji="1" lang="zh-CN" altLang="en-US" dirty="0"/>
+            <a:r>
+              <a:rPr kumimoji="1" lang="en-US" altLang="zh-CN" dirty="0"/>
+              <a:t>Q&amp;A</a:t>
+            </a:r>
+            <a:endParaRPr kumimoji="1" lang="en-US" altLang="zh-CN" dirty="0"/>
           </a:p>
         </p:txBody>
       </p:sp>
